--- a/CAN bus.pptx
+++ b/CAN bus.pptx
@@ -13,8 +13,10 @@
     <p:sldId id="264" r:id="rId7"/>
     <p:sldId id="265" r:id="rId8"/>
     <p:sldId id="266" r:id="rId9"/>
-    <p:sldId id="260" r:id="rId10"/>
-    <p:sldId id="261" r:id="rId11"/>
+    <p:sldId id="267" r:id="rId10"/>
+    <p:sldId id="260" r:id="rId11"/>
+    <p:sldId id="261" r:id="rId12"/>
+    <p:sldId id="268" r:id="rId13"/>
   </p:sldIdLst>
   <p:sldSz cx="12192000" cy="6858000"/>
   <p:notesSz cx="6858000" cy="9144000"/>
@@ -178,7 +180,7 @@
           <a:noFill/>
           <a:extLst>
             <a:ext uri="{909E8E84-426E-40dd-AFC4-6F175D3DCCD1}">
-              <a14:hiddenFill xmlns:a14="http://schemas.microsoft.com/office/drawing/2010/main" xmlns="">
+              <a14:hiddenFill xmlns="" xmlns:a14="http://schemas.microsoft.com/office/drawing/2010/main">
                 <a:solidFill>
                   <a:srgbClr val="FFFFFF"/>
                 </a:solidFill>
@@ -237,7 +239,7 @@
             </a:ln>
             <a:extLst>
               <a:ext uri="{91240B29-F687-4f45-9708-019B960494DF}">
-                <a14:hiddenLine xmlns:a14="http://schemas.microsoft.com/office/drawing/2010/main" xmlns="" w="9525">
+                <a14:hiddenLine xmlns="" xmlns:a14="http://schemas.microsoft.com/office/drawing/2010/main" w="9525">
                   <a:solidFill>
                     <a:srgbClr val="000000"/>
                   </a:solidFill>
@@ -327,7 +329,7 @@
             </a:ln>
             <a:extLst>
               <a:ext uri="{91240B29-F687-4f45-9708-019B960494DF}">
-                <a14:hiddenLine xmlns:a14="http://schemas.microsoft.com/office/drawing/2010/main" xmlns="" w="9525">
+                <a14:hiddenLine xmlns="" xmlns:a14="http://schemas.microsoft.com/office/drawing/2010/main" w="9525">
                   <a:solidFill>
                     <a:srgbClr val="000000"/>
                   </a:solidFill>
@@ -417,7 +419,7 @@
             </a:ln>
             <a:extLst>
               <a:ext uri="{91240B29-F687-4f45-9708-019B960494DF}">
-                <a14:hiddenLine xmlns:a14="http://schemas.microsoft.com/office/drawing/2010/main" xmlns="" w="9525">
+                <a14:hiddenLine xmlns="" xmlns:a14="http://schemas.microsoft.com/office/drawing/2010/main" w="9525">
                   <a:solidFill>
                     <a:srgbClr val="000000"/>
                   </a:solidFill>
@@ -451,7 +453,7 @@
             </a:ln>
             <a:extLst>
               <a:ext uri="{91240B29-F687-4f45-9708-019B960494DF}">
-                <a14:hiddenLine xmlns:a14="http://schemas.microsoft.com/office/drawing/2010/main" xmlns="" w="9525">
+                <a14:hiddenLine xmlns="" xmlns:a14="http://schemas.microsoft.com/office/drawing/2010/main" w="9525">
                   <a:solidFill>
                     <a:srgbClr val="000000"/>
                   </a:solidFill>
@@ -541,7 +543,7 @@
             </a:ln>
             <a:extLst>
               <a:ext uri="{91240B29-F687-4f45-9708-019B960494DF}">
-                <a14:hiddenLine xmlns:a14="http://schemas.microsoft.com/office/drawing/2010/main" xmlns="" w="9525">
+                <a14:hiddenLine xmlns="" xmlns:a14="http://schemas.microsoft.com/office/drawing/2010/main" w="9525">
                   <a:solidFill>
                     <a:srgbClr val="000000"/>
                   </a:solidFill>
@@ -603,7 +605,7 @@
             </a:ln>
             <a:extLst>
               <a:ext uri="{91240B29-F687-4f45-9708-019B960494DF}">
-                <a14:hiddenLine xmlns:a14="http://schemas.microsoft.com/office/drawing/2010/main" xmlns="" w="9525">
+                <a14:hiddenLine xmlns="" xmlns:a14="http://schemas.microsoft.com/office/drawing/2010/main" w="9525">
                   <a:solidFill>
                     <a:srgbClr val="000000"/>
                   </a:solidFill>
@@ -665,7 +667,7 @@
             </a:ln>
             <a:extLst>
               <a:ext uri="{91240B29-F687-4f45-9708-019B960494DF}">
-                <a14:hiddenLine xmlns:a14="http://schemas.microsoft.com/office/drawing/2010/main" xmlns="" w="9525">
+                <a14:hiddenLine xmlns="" xmlns:a14="http://schemas.microsoft.com/office/drawing/2010/main" w="9525">
                   <a:solidFill>
                     <a:srgbClr val="000000"/>
                   </a:solidFill>
@@ -755,7 +757,7 @@
             </a:ln>
             <a:extLst>
               <a:ext uri="{91240B29-F687-4f45-9708-019B960494DF}">
-                <a14:hiddenLine xmlns:a14="http://schemas.microsoft.com/office/drawing/2010/main" xmlns="" w="9525">
+                <a14:hiddenLine xmlns="" xmlns:a14="http://schemas.microsoft.com/office/drawing/2010/main" w="9525">
                   <a:solidFill>
                     <a:srgbClr val="000000"/>
                   </a:solidFill>
@@ -817,7 +819,7 @@
             </a:ln>
             <a:extLst>
               <a:ext uri="{91240B29-F687-4f45-9708-019B960494DF}">
-                <a14:hiddenLine xmlns:a14="http://schemas.microsoft.com/office/drawing/2010/main" xmlns="" w="9525">
+                <a14:hiddenLine xmlns="" xmlns:a14="http://schemas.microsoft.com/office/drawing/2010/main" w="9525">
                   <a:solidFill>
                     <a:srgbClr val="000000"/>
                   </a:solidFill>
@@ -879,7 +881,7 @@
             </a:ln>
             <a:extLst>
               <a:ext uri="{91240B29-F687-4f45-9708-019B960494DF}">
-                <a14:hiddenLine xmlns:a14="http://schemas.microsoft.com/office/drawing/2010/main" xmlns="" w="9525">
+                <a14:hiddenLine xmlns="" xmlns:a14="http://schemas.microsoft.com/office/drawing/2010/main" w="9525">
                   <a:solidFill>
                     <a:srgbClr val="000000"/>
                   </a:solidFill>
@@ -969,7 +971,7 @@
             </a:ln>
             <a:extLst>
               <a:ext uri="{91240B29-F687-4f45-9708-019B960494DF}">
-                <a14:hiddenLine xmlns:a14="http://schemas.microsoft.com/office/drawing/2010/main" xmlns="" w="9525">
+                <a14:hiddenLine xmlns="" xmlns:a14="http://schemas.microsoft.com/office/drawing/2010/main" w="9525">
                   <a:solidFill>
                     <a:srgbClr val="000000"/>
                   </a:solidFill>
@@ -1059,7 +1061,7 @@
             </a:ln>
             <a:extLst>
               <a:ext uri="{91240B29-F687-4f45-9708-019B960494DF}">
-                <a14:hiddenLine xmlns:a14="http://schemas.microsoft.com/office/drawing/2010/main" xmlns="" w="9525">
+                <a14:hiddenLine xmlns="" xmlns:a14="http://schemas.microsoft.com/office/drawing/2010/main" w="9525">
                   <a:solidFill>
                     <a:srgbClr val="000000"/>
                   </a:solidFill>
@@ -1121,7 +1123,7 @@
             </a:ln>
             <a:extLst>
               <a:ext uri="{91240B29-F687-4f45-9708-019B960494DF}">
-                <a14:hiddenLine xmlns:a14="http://schemas.microsoft.com/office/drawing/2010/main" xmlns="" w="9525">
+                <a14:hiddenLine xmlns="" xmlns:a14="http://schemas.microsoft.com/office/drawing/2010/main" w="9525">
                   <a:solidFill>
                     <a:srgbClr val="000000"/>
                   </a:solidFill>
@@ -1231,7 +1233,7 @@
             </a:ln>
             <a:extLst>
               <a:ext uri="{91240B29-F687-4f45-9708-019B960494DF}">
-                <a14:hiddenLine xmlns:a14="http://schemas.microsoft.com/office/drawing/2010/main" xmlns="" w="9525">
+                <a14:hiddenLine xmlns="" xmlns:a14="http://schemas.microsoft.com/office/drawing/2010/main" w="9525">
                   <a:solidFill>
                     <a:srgbClr val="000000"/>
                   </a:solidFill>
@@ -1293,7 +1295,7 @@
             </a:ln>
             <a:extLst>
               <a:ext uri="{91240B29-F687-4f45-9708-019B960494DF}">
-                <a14:hiddenLine xmlns:a14="http://schemas.microsoft.com/office/drawing/2010/main" xmlns="" w="9525">
+                <a14:hiddenLine xmlns="" xmlns:a14="http://schemas.microsoft.com/office/drawing/2010/main" w="9525">
                   <a:solidFill>
                     <a:srgbClr val="000000"/>
                   </a:solidFill>
@@ -1383,7 +1385,7 @@
             </a:ln>
             <a:extLst>
               <a:ext uri="{91240B29-F687-4f45-9708-019B960494DF}">
-                <a14:hiddenLine xmlns:a14="http://schemas.microsoft.com/office/drawing/2010/main" xmlns="" w="9525">
+                <a14:hiddenLine xmlns="" xmlns:a14="http://schemas.microsoft.com/office/drawing/2010/main" w="9525">
                   <a:solidFill>
                     <a:srgbClr val="000000"/>
                   </a:solidFill>
@@ -1473,7 +1475,7 @@
             </a:ln>
             <a:extLst>
               <a:ext uri="{91240B29-F687-4f45-9708-019B960494DF}">
-                <a14:hiddenLine xmlns:a14="http://schemas.microsoft.com/office/drawing/2010/main" xmlns="" w="9525">
+                <a14:hiddenLine xmlns="" xmlns:a14="http://schemas.microsoft.com/office/drawing/2010/main" w="9525">
                   <a:solidFill>
                     <a:srgbClr val="000000"/>
                   </a:solidFill>
@@ -1535,7 +1537,7 @@
             </a:ln>
             <a:extLst>
               <a:ext uri="{91240B29-F687-4f45-9708-019B960494DF}">
-                <a14:hiddenLine xmlns:a14="http://schemas.microsoft.com/office/drawing/2010/main" xmlns="" w="9525">
+                <a14:hiddenLine xmlns="" xmlns:a14="http://schemas.microsoft.com/office/drawing/2010/main" w="9525">
                   <a:solidFill>
                     <a:srgbClr val="000000"/>
                   </a:solidFill>
@@ -1625,7 +1627,7 @@
             </a:ln>
             <a:extLst>
               <a:ext uri="{91240B29-F687-4f45-9708-019B960494DF}">
-                <a14:hiddenLine xmlns:a14="http://schemas.microsoft.com/office/drawing/2010/main" xmlns="" w="9525">
+                <a14:hiddenLine xmlns="" xmlns:a14="http://schemas.microsoft.com/office/drawing/2010/main" w="9525">
                   <a:solidFill>
                     <a:srgbClr val="000000"/>
                   </a:solidFill>
@@ -1715,7 +1717,7 @@
             </a:ln>
             <a:extLst>
               <a:ext uri="{91240B29-F687-4f45-9708-019B960494DF}">
-                <a14:hiddenLine xmlns:a14="http://schemas.microsoft.com/office/drawing/2010/main" xmlns="" w="9525">
+                <a14:hiddenLine xmlns="" xmlns:a14="http://schemas.microsoft.com/office/drawing/2010/main" w="9525">
                   <a:solidFill>
                     <a:srgbClr val="000000"/>
                   </a:solidFill>
@@ -1771,7 +1773,7 @@
             </a:ln>
             <a:extLst>
               <a:ext uri="{91240B29-F687-4f45-9708-019B960494DF}">
-                <a14:hiddenLine xmlns:a14="http://schemas.microsoft.com/office/drawing/2010/main" xmlns="" w="9525">
+                <a14:hiddenLine xmlns="" xmlns:a14="http://schemas.microsoft.com/office/drawing/2010/main" w="9525">
                   <a:solidFill>
                     <a:srgbClr val="000000"/>
                   </a:solidFill>
@@ -1861,7 +1863,7 @@
             </a:ln>
             <a:extLst>
               <a:ext uri="{91240B29-F687-4f45-9708-019B960494DF}">
-                <a14:hiddenLine xmlns:a14="http://schemas.microsoft.com/office/drawing/2010/main" xmlns="" w="9525">
+                <a14:hiddenLine xmlns="" xmlns:a14="http://schemas.microsoft.com/office/drawing/2010/main" w="9525">
                   <a:solidFill>
                     <a:srgbClr val="000000"/>
                   </a:solidFill>
@@ -1917,7 +1919,7 @@
             </a:ln>
             <a:extLst>
               <a:ext uri="{91240B29-F687-4f45-9708-019B960494DF}">
-                <a14:hiddenLine xmlns:a14="http://schemas.microsoft.com/office/drawing/2010/main" xmlns="" w="9525">
+                <a14:hiddenLine xmlns="" xmlns:a14="http://schemas.microsoft.com/office/drawing/2010/main" w="9525">
                   <a:solidFill>
                     <a:srgbClr val="000000"/>
                   </a:solidFill>
@@ -2007,7 +2009,7 @@
             </a:ln>
             <a:extLst>
               <a:ext uri="{91240B29-F687-4f45-9708-019B960494DF}">
-                <a14:hiddenLine xmlns:a14="http://schemas.microsoft.com/office/drawing/2010/main" xmlns="" w="9525">
+                <a14:hiddenLine xmlns="" xmlns:a14="http://schemas.microsoft.com/office/drawing/2010/main" w="9525">
                   <a:solidFill>
                     <a:srgbClr val="000000"/>
                   </a:solidFill>
@@ -2075,7 +2077,7 @@
             </a:ln>
             <a:extLst>
               <a:ext uri="{91240B29-F687-4f45-9708-019B960494DF}">
-                <a14:hiddenLine xmlns:a14="http://schemas.microsoft.com/office/drawing/2010/main" xmlns="" w="9525">
+                <a14:hiddenLine xmlns="" xmlns:a14="http://schemas.microsoft.com/office/drawing/2010/main" w="9525">
                   <a:solidFill>
                     <a:srgbClr val="000000"/>
                   </a:solidFill>
@@ -2165,7 +2167,7 @@
             </a:ln>
             <a:extLst>
               <a:ext uri="{91240B29-F687-4f45-9708-019B960494DF}">
-                <a14:hiddenLine xmlns:a14="http://schemas.microsoft.com/office/drawing/2010/main" xmlns="" w="9525">
+                <a14:hiddenLine xmlns="" xmlns:a14="http://schemas.microsoft.com/office/drawing/2010/main" w="9525">
                   <a:solidFill>
                     <a:srgbClr val="000000"/>
                   </a:solidFill>
@@ -2233,7 +2235,7 @@
             </a:ln>
             <a:extLst>
               <a:ext uri="{91240B29-F687-4f45-9708-019B960494DF}">
-                <a14:hiddenLine xmlns:a14="http://schemas.microsoft.com/office/drawing/2010/main" xmlns="" w="9525">
+                <a14:hiddenLine xmlns="" xmlns:a14="http://schemas.microsoft.com/office/drawing/2010/main" w="9525">
                   <a:solidFill>
                     <a:srgbClr val="000000"/>
                   </a:solidFill>
@@ -2323,7 +2325,7 @@
             </a:ln>
             <a:extLst>
               <a:ext uri="{91240B29-F687-4f45-9708-019B960494DF}">
-                <a14:hiddenLine xmlns:a14="http://schemas.microsoft.com/office/drawing/2010/main" xmlns="" w="9525">
+                <a14:hiddenLine xmlns="" xmlns:a14="http://schemas.microsoft.com/office/drawing/2010/main" w="9525">
                   <a:solidFill>
                     <a:srgbClr val="000000"/>
                   </a:solidFill>
@@ -2357,7 +2359,7 @@
             </a:ln>
             <a:extLst>
               <a:ext uri="{91240B29-F687-4f45-9708-019B960494DF}">
-                <a14:hiddenLine xmlns:a14="http://schemas.microsoft.com/office/drawing/2010/main" xmlns="" w="9525">
+                <a14:hiddenLine xmlns="" xmlns:a14="http://schemas.microsoft.com/office/drawing/2010/main" w="9525">
                   <a:solidFill>
                     <a:srgbClr val="000000"/>
                   </a:solidFill>
@@ -2447,7 +2449,7 @@
             </a:ln>
             <a:extLst>
               <a:ext uri="{91240B29-F687-4f45-9708-019B960494DF}">
-                <a14:hiddenLine xmlns:a14="http://schemas.microsoft.com/office/drawing/2010/main" xmlns="" w="9525">
+                <a14:hiddenLine xmlns="" xmlns:a14="http://schemas.microsoft.com/office/drawing/2010/main" w="9525">
                   <a:solidFill>
                     <a:srgbClr val="000000"/>
                   </a:solidFill>
@@ -2509,7 +2511,7 @@
             </a:ln>
             <a:extLst>
               <a:ext uri="{91240B29-F687-4f45-9708-019B960494DF}">
-                <a14:hiddenLine xmlns:a14="http://schemas.microsoft.com/office/drawing/2010/main" xmlns="" w="9525">
+                <a14:hiddenLine xmlns="" xmlns:a14="http://schemas.microsoft.com/office/drawing/2010/main" w="9525">
                   <a:solidFill>
                     <a:srgbClr val="000000"/>
                   </a:solidFill>
@@ -2571,7 +2573,7 @@
             </a:ln>
             <a:extLst>
               <a:ext uri="{91240B29-F687-4f45-9708-019B960494DF}">
-                <a14:hiddenLine xmlns:a14="http://schemas.microsoft.com/office/drawing/2010/main" xmlns="" w="9525">
+                <a14:hiddenLine xmlns="" xmlns:a14="http://schemas.microsoft.com/office/drawing/2010/main" w="9525">
                   <a:solidFill>
                     <a:srgbClr val="000000"/>
                   </a:solidFill>
@@ -2661,7 +2663,7 @@
             </a:ln>
             <a:extLst>
               <a:ext uri="{91240B29-F687-4f45-9708-019B960494DF}">
-                <a14:hiddenLine xmlns:a14="http://schemas.microsoft.com/office/drawing/2010/main" xmlns="" w="9525">
+                <a14:hiddenLine xmlns="" xmlns:a14="http://schemas.microsoft.com/office/drawing/2010/main" w="9525">
                   <a:solidFill>
                     <a:srgbClr val="000000"/>
                   </a:solidFill>
@@ -2729,7 +2731,7 @@
             </a:ln>
             <a:extLst>
               <a:ext uri="{91240B29-F687-4f45-9708-019B960494DF}">
-                <a14:hiddenLine xmlns:a14="http://schemas.microsoft.com/office/drawing/2010/main" xmlns="" w="9525">
+                <a14:hiddenLine xmlns="" xmlns:a14="http://schemas.microsoft.com/office/drawing/2010/main" w="9525">
                   <a:solidFill>
                     <a:srgbClr val="000000"/>
                   </a:solidFill>
@@ -2791,7 +2793,7 @@
             </a:ln>
             <a:extLst>
               <a:ext uri="{91240B29-F687-4f45-9708-019B960494DF}">
-                <a14:hiddenLine xmlns:a14="http://schemas.microsoft.com/office/drawing/2010/main" xmlns="" w="9525">
+                <a14:hiddenLine xmlns="" xmlns:a14="http://schemas.microsoft.com/office/drawing/2010/main" w="9525">
                   <a:solidFill>
                     <a:srgbClr val="000000"/>
                   </a:solidFill>
@@ -2881,7 +2883,7 @@
             </a:ln>
             <a:extLst>
               <a:ext uri="{91240B29-F687-4f45-9708-019B960494DF}">
-                <a14:hiddenLine xmlns:a14="http://schemas.microsoft.com/office/drawing/2010/main" xmlns="" w="9525">
+                <a14:hiddenLine xmlns="" xmlns:a14="http://schemas.microsoft.com/office/drawing/2010/main" w="9525">
                   <a:solidFill>
                     <a:srgbClr val="000000"/>
                   </a:solidFill>
@@ -2943,7 +2945,7 @@
             </a:ln>
             <a:extLst>
               <a:ext uri="{91240B29-F687-4f45-9708-019B960494DF}">
-                <a14:hiddenLine xmlns:a14="http://schemas.microsoft.com/office/drawing/2010/main" xmlns="" w="9525">
+                <a14:hiddenLine xmlns="" xmlns:a14="http://schemas.microsoft.com/office/drawing/2010/main" w="9525">
                   <a:solidFill>
                     <a:srgbClr val="000000"/>
                   </a:solidFill>
@@ -3033,7 +3035,7 @@
             </a:ln>
             <a:extLst>
               <a:ext uri="{91240B29-F687-4f45-9708-019B960494DF}">
-                <a14:hiddenLine xmlns:a14="http://schemas.microsoft.com/office/drawing/2010/main" xmlns="" w="9525">
+                <a14:hiddenLine xmlns="" xmlns:a14="http://schemas.microsoft.com/office/drawing/2010/main" w="9525">
                   <a:solidFill>
                     <a:srgbClr val="000000"/>
                   </a:solidFill>
@@ -3095,7 +3097,7 @@
             </a:ln>
             <a:extLst>
               <a:ext uri="{91240B29-F687-4f45-9708-019B960494DF}">
-                <a14:hiddenLine xmlns:a14="http://schemas.microsoft.com/office/drawing/2010/main" xmlns="" w="9525">
+                <a14:hiddenLine xmlns="" xmlns:a14="http://schemas.microsoft.com/office/drawing/2010/main" w="9525">
                   <a:solidFill>
                     <a:srgbClr val="000000"/>
                   </a:solidFill>
@@ -3185,7 +3187,7 @@
             </a:ln>
             <a:extLst>
               <a:ext uri="{91240B29-F687-4f45-9708-019B960494DF}">
-                <a14:hiddenLine xmlns:a14="http://schemas.microsoft.com/office/drawing/2010/main" xmlns="" w="9525">
+                <a14:hiddenLine xmlns="" xmlns:a14="http://schemas.microsoft.com/office/drawing/2010/main" w="9525">
                   <a:solidFill>
                     <a:srgbClr val="000000"/>
                   </a:solidFill>
@@ -3219,7 +3221,7 @@
             </a:ln>
             <a:extLst>
               <a:ext uri="{91240B29-F687-4f45-9708-019B960494DF}">
-                <a14:hiddenLine xmlns:a14="http://schemas.microsoft.com/office/drawing/2010/main" xmlns="" w="9525">
+                <a14:hiddenLine xmlns="" xmlns:a14="http://schemas.microsoft.com/office/drawing/2010/main" w="9525">
                   <a:solidFill>
                     <a:srgbClr val="000000"/>
                   </a:solidFill>
@@ -3284,7 +3286,7 @@
             </a:ln>
             <a:extLst>
               <a:ext uri="{91240B29-F687-4f45-9708-019B960494DF}">
-                <a14:hiddenLine xmlns:a14="http://schemas.microsoft.com/office/drawing/2010/main" xmlns="" w="9525">
+                <a14:hiddenLine xmlns="" xmlns:a14="http://schemas.microsoft.com/office/drawing/2010/main" w="9525">
                   <a:solidFill>
                     <a:srgbClr val="000000"/>
                   </a:solidFill>
@@ -3374,7 +3376,7 @@
             </a:ln>
             <a:extLst>
               <a:ext uri="{91240B29-F687-4f45-9708-019B960494DF}">
-                <a14:hiddenLine xmlns:a14="http://schemas.microsoft.com/office/drawing/2010/main" xmlns="" w="9525">
+                <a14:hiddenLine xmlns="" xmlns:a14="http://schemas.microsoft.com/office/drawing/2010/main" w="9525">
                   <a:solidFill>
                     <a:srgbClr val="000000"/>
                   </a:solidFill>
@@ -3436,7 +3438,7 @@
             </a:ln>
             <a:extLst>
               <a:ext uri="{91240B29-F687-4f45-9708-019B960494DF}">
-                <a14:hiddenLine xmlns:a14="http://schemas.microsoft.com/office/drawing/2010/main" xmlns="" w="9525">
+                <a14:hiddenLine xmlns="" xmlns:a14="http://schemas.microsoft.com/office/drawing/2010/main" w="9525">
                   <a:solidFill>
                     <a:srgbClr val="000000"/>
                   </a:solidFill>
@@ -3526,7 +3528,7 @@
             </a:ln>
             <a:extLst>
               <a:ext uri="{91240B29-F687-4f45-9708-019B960494DF}">
-                <a14:hiddenLine xmlns:a14="http://schemas.microsoft.com/office/drawing/2010/main" xmlns="" w="9525">
+                <a14:hiddenLine xmlns="" xmlns:a14="http://schemas.microsoft.com/office/drawing/2010/main" w="9525">
                   <a:solidFill>
                     <a:srgbClr val="000000"/>
                   </a:solidFill>
@@ -3616,7 +3618,7 @@
             </a:ln>
             <a:extLst>
               <a:ext uri="{91240B29-F687-4f45-9708-019B960494DF}">
-                <a14:hiddenLine xmlns:a14="http://schemas.microsoft.com/office/drawing/2010/main" xmlns="" w="9525">
+                <a14:hiddenLine xmlns="" xmlns:a14="http://schemas.microsoft.com/office/drawing/2010/main" w="9525">
                   <a:solidFill>
                     <a:srgbClr val="000000"/>
                   </a:solidFill>
@@ -3681,7 +3683,7 @@
             </a:ln>
             <a:extLst>
               <a:ext uri="{91240B29-F687-4f45-9708-019B960494DF}">
-                <a14:hiddenLine xmlns:a14="http://schemas.microsoft.com/office/drawing/2010/main" xmlns="" w="9525">
+                <a14:hiddenLine xmlns="" xmlns:a14="http://schemas.microsoft.com/office/drawing/2010/main" w="9525">
                   <a:solidFill>
                     <a:srgbClr val="000000"/>
                   </a:solidFill>
@@ -3743,7 +3745,7 @@
             </a:ln>
             <a:extLst>
               <a:ext uri="{91240B29-F687-4f45-9708-019B960494DF}">
-                <a14:hiddenLine xmlns:a14="http://schemas.microsoft.com/office/drawing/2010/main" xmlns="" w="9525">
+                <a14:hiddenLine xmlns="" xmlns:a14="http://schemas.microsoft.com/office/drawing/2010/main" w="9525">
                   <a:solidFill>
                     <a:srgbClr val="000000"/>
                   </a:solidFill>
@@ -3833,7 +3835,7 @@
             </a:ln>
             <a:extLst>
               <a:ext uri="{91240B29-F687-4f45-9708-019B960494DF}">
-                <a14:hiddenLine xmlns:a14="http://schemas.microsoft.com/office/drawing/2010/main" xmlns="" w="9525">
+                <a14:hiddenLine xmlns="" xmlns:a14="http://schemas.microsoft.com/office/drawing/2010/main" w="9525">
                   <a:solidFill>
                     <a:srgbClr val="000000"/>
                   </a:solidFill>
@@ -3923,7 +3925,7 @@
             </a:ln>
             <a:extLst>
               <a:ext uri="{91240B29-F687-4f45-9708-019B960494DF}">
-                <a14:hiddenLine xmlns:a14="http://schemas.microsoft.com/office/drawing/2010/main" xmlns="" w="9525">
+                <a14:hiddenLine xmlns="" xmlns:a14="http://schemas.microsoft.com/office/drawing/2010/main" w="9525">
                   <a:solidFill>
                     <a:srgbClr val="000000"/>
                   </a:solidFill>
@@ -3985,7 +3987,7 @@
             </a:ln>
             <a:extLst>
               <a:ext uri="{91240B29-F687-4f45-9708-019B960494DF}">
-                <a14:hiddenLine xmlns:a14="http://schemas.microsoft.com/office/drawing/2010/main" xmlns="" w="9525">
+                <a14:hiddenLine xmlns="" xmlns:a14="http://schemas.microsoft.com/office/drawing/2010/main" w="9525">
                   <a:solidFill>
                     <a:srgbClr val="000000"/>
                   </a:solidFill>
@@ -4105,7 +4107,7 @@
             </a:ln>
             <a:extLst>
               <a:ext uri="{91240B29-F687-4f45-9708-019B960494DF}">
-                <a14:hiddenLine xmlns:a14="http://schemas.microsoft.com/office/drawing/2010/main" xmlns="" w="9525">
+                <a14:hiddenLine xmlns="" xmlns:a14="http://schemas.microsoft.com/office/drawing/2010/main" w="9525">
                   <a:solidFill>
                     <a:srgbClr val="000000"/>
                   </a:solidFill>
@@ -4173,7 +4175,7 @@
             </a:ln>
             <a:extLst>
               <a:ext uri="{91240B29-F687-4f45-9708-019B960494DF}">
-                <a14:hiddenLine xmlns:a14="http://schemas.microsoft.com/office/drawing/2010/main" xmlns="" w="9525">
+                <a14:hiddenLine xmlns="" xmlns:a14="http://schemas.microsoft.com/office/drawing/2010/main" w="9525">
                   <a:solidFill>
                     <a:srgbClr val="000000"/>
                   </a:solidFill>
@@ -4263,7 +4265,7 @@
             </a:ln>
             <a:extLst>
               <a:ext uri="{91240B29-F687-4f45-9708-019B960494DF}">
-                <a14:hiddenLine xmlns:a14="http://schemas.microsoft.com/office/drawing/2010/main" xmlns="" w="9525">
+                <a14:hiddenLine xmlns="" xmlns:a14="http://schemas.microsoft.com/office/drawing/2010/main" w="9525">
                   <a:solidFill>
                     <a:srgbClr val="000000"/>
                   </a:solidFill>
@@ -9077,7 +9079,7 @@
           <a:noFill/>
           <a:extLst>
             <a:ext uri="{909E8E84-426E-40dd-AFC4-6F175D3DCCD1}">
-              <a14:hiddenFill xmlns:a14="http://schemas.microsoft.com/office/drawing/2010/main" xmlns="">
+              <a14:hiddenFill xmlns="" xmlns:a14="http://schemas.microsoft.com/office/drawing/2010/main">
                 <a:solidFill>
                   <a:srgbClr val="FFFFFF"/>
                 </a:solidFill>
@@ -9151,7 +9153,7 @@
               </a:ln>
               <a:extLst>
                 <a:ext uri="{91240B29-F687-4f45-9708-019B960494DF}">
-                  <a14:hiddenLine xmlns:a14="http://schemas.microsoft.com/office/drawing/2010/main" xmlns="" w="9525">
+                  <a14:hiddenLine xmlns="" xmlns:a14="http://schemas.microsoft.com/office/drawing/2010/main" w="9525">
                     <a:solidFill>
                       <a:srgbClr val="000000"/>
                     </a:solidFill>
@@ -9241,7 +9243,7 @@
               </a:ln>
               <a:extLst>
                 <a:ext uri="{91240B29-F687-4f45-9708-019B960494DF}">
-                  <a14:hiddenLine xmlns:a14="http://schemas.microsoft.com/office/drawing/2010/main" xmlns="" w="9525">
+                  <a14:hiddenLine xmlns="" xmlns:a14="http://schemas.microsoft.com/office/drawing/2010/main" w="9525">
                     <a:solidFill>
                       <a:srgbClr val="000000"/>
                     </a:solidFill>
@@ -9331,7 +9333,7 @@
               </a:ln>
               <a:extLst>
                 <a:ext uri="{91240B29-F687-4f45-9708-019B960494DF}">
-                  <a14:hiddenLine xmlns:a14="http://schemas.microsoft.com/office/drawing/2010/main" xmlns="" w="9525">
+                  <a14:hiddenLine xmlns="" xmlns:a14="http://schemas.microsoft.com/office/drawing/2010/main" w="9525">
                     <a:solidFill>
                       <a:srgbClr val="000000"/>
                     </a:solidFill>
@@ -9393,7 +9395,7 @@
               </a:ln>
               <a:extLst>
                 <a:ext uri="{91240B29-F687-4f45-9708-019B960494DF}">
-                  <a14:hiddenLine xmlns:a14="http://schemas.microsoft.com/office/drawing/2010/main" xmlns="" w="9525">
+                  <a14:hiddenLine xmlns="" xmlns:a14="http://schemas.microsoft.com/office/drawing/2010/main" w="9525">
                     <a:solidFill>
                       <a:srgbClr val="000000"/>
                     </a:solidFill>
@@ -9483,7 +9485,7 @@
               </a:ln>
               <a:extLst>
                 <a:ext uri="{91240B29-F687-4f45-9708-019B960494DF}">
-                  <a14:hiddenLine xmlns:a14="http://schemas.microsoft.com/office/drawing/2010/main" xmlns="" w="9525">
+                  <a14:hiddenLine xmlns="" xmlns:a14="http://schemas.microsoft.com/office/drawing/2010/main" w="9525">
                     <a:solidFill>
                       <a:srgbClr val="000000"/>
                     </a:solidFill>
@@ -9545,7 +9547,7 @@
               </a:ln>
               <a:extLst>
                 <a:ext uri="{91240B29-F687-4f45-9708-019B960494DF}">
-                  <a14:hiddenLine xmlns:a14="http://schemas.microsoft.com/office/drawing/2010/main" xmlns="" w="9525">
+                  <a14:hiddenLine xmlns="" xmlns:a14="http://schemas.microsoft.com/office/drawing/2010/main" w="9525">
                     <a:solidFill>
                       <a:srgbClr val="000000"/>
                     </a:solidFill>
@@ -9607,7 +9609,7 @@
               </a:ln>
               <a:extLst>
                 <a:ext uri="{91240B29-F687-4f45-9708-019B960494DF}">
-                  <a14:hiddenLine xmlns:a14="http://schemas.microsoft.com/office/drawing/2010/main" xmlns="" w="9525">
+                  <a14:hiddenLine xmlns="" xmlns:a14="http://schemas.microsoft.com/office/drawing/2010/main" w="9525">
                     <a:solidFill>
                       <a:srgbClr val="000000"/>
                     </a:solidFill>
@@ -9697,7 +9699,7 @@
               </a:ln>
               <a:extLst>
                 <a:ext uri="{91240B29-F687-4f45-9708-019B960494DF}">
-                  <a14:hiddenLine xmlns:a14="http://schemas.microsoft.com/office/drawing/2010/main" xmlns="" w="9525">
+                  <a14:hiddenLine xmlns="" xmlns:a14="http://schemas.microsoft.com/office/drawing/2010/main" w="9525">
                     <a:solidFill>
                       <a:srgbClr val="000000"/>
                     </a:solidFill>
@@ -9787,7 +9789,7 @@
               </a:ln>
               <a:extLst>
                 <a:ext uri="{91240B29-F687-4f45-9708-019B960494DF}">
-                  <a14:hiddenLine xmlns:a14="http://schemas.microsoft.com/office/drawing/2010/main" xmlns="" w="9525">
+                  <a14:hiddenLine xmlns="" xmlns:a14="http://schemas.microsoft.com/office/drawing/2010/main" w="9525">
                     <a:solidFill>
                       <a:srgbClr val="000000"/>
                     </a:solidFill>
@@ -9849,7 +9851,7 @@
               </a:ln>
               <a:extLst>
                 <a:ext uri="{91240B29-F687-4f45-9708-019B960494DF}">
-                  <a14:hiddenLine xmlns:a14="http://schemas.microsoft.com/office/drawing/2010/main" xmlns="" w="9525">
+                  <a14:hiddenLine xmlns="" xmlns:a14="http://schemas.microsoft.com/office/drawing/2010/main" w="9525">
                     <a:solidFill>
                       <a:srgbClr val="000000"/>
                     </a:solidFill>
@@ -9959,7 +9961,7 @@
               </a:ln>
               <a:extLst>
                 <a:ext uri="{91240B29-F687-4f45-9708-019B960494DF}">
-                  <a14:hiddenLine xmlns:a14="http://schemas.microsoft.com/office/drawing/2010/main" xmlns="" w="9525">
+                  <a14:hiddenLine xmlns="" xmlns:a14="http://schemas.microsoft.com/office/drawing/2010/main" w="9525">
                     <a:solidFill>
                       <a:srgbClr val="000000"/>
                     </a:solidFill>
@@ -10043,7 +10045,7 @@
               </a:ln>
               <a:extLst>
                 <a:ext uri="{91240B29-F687-4f45-9708-019B960494DF}">
-                  <a14:hiddenLine xmlns:a14="http://schemas.microsoft.com/office/drawing/2010/main" xmlns="" w="9525">
+                  <a14:hiddenLine xmlns="" xmlns:a14="http://schemas.microsoft.com/office/drawing/2010/main" w="9525">
                     <a:solidFill>
                       <a:srgbClr val="000000"/>
                     </a:solidFill>
@@ -10105,7 +10107,7 @@
               </a:ln>
               <a:extLst>
                 <a:ext uri="{91240B29-F687-4f45-9708-019B960494DF}">
-                  <a14:hiddenLine xmlns:a14="http://schemas.microsoft.com/office/drawing/2010/main" xmlns="" w="9525">
+                  <a14:hiddenLine xmlns="" xmlns:a14="http://schemas.microsoft.com/office/drawing/2010/main" w="9525">
                     <a:solidFill>
                       <a:srgbClr val="000000"/>
                     </a:solidFill>
@@ -10167,7 +10169,7 @@
               </a:ln>
               <a:extLst>
                 <a:ext uri="{91240B29-F687-4f45-9708-019B960494DF}">
-                  <a14:hiddenLine xmlns:a14="http://schemas.microsoft.com/office/drawing/2010/main" xmlns="" w="9525">
+                  <a14:hiddenLine xmlns="" xmlns:a14="http://schemas.microsoft.com/office/drawing/2010/main" w="9525">
                     <a:solidFill>
                       <a:srgbClr val="000000"/>
                     </a:solidFill>
@@ -10257,7 +10259,7 @@
               </a:ln>
               <a:extLst>
                 <a:ext uri="{91240B29-F687-4f45-9708-019B960494DF}">
-                  <a14:hiddenLine xmlns:a14="http://schemas.microsoft.com/office/drawing/2010/main" xmlns="" w="9525">
+                  <a14:hiddenLine xmlns="" xmlns:a14="http://schemas.microsoft.com/office/drawing/2010/main" w="9525">
                     <a:solidFill>
                       <a:srgbClr val="000000"/>
                     </a:solidFill>
@@ -10291,7 +10293,7 @@
               </a:ln>
               <a:extLst>
                 <a:ext uri="{91240B29-F687-4f45-9708-019B960494DF}">
-                  <a14:hiddenLine xmlns:a14="http://schemas.microsoft.com/office/drawing/2010/main" xmlns="" w="9525">
+                  <a14:hiddenLine xmlns="" xmlns:a14="http://schemas.microsoft.com/office/drawing/2010/main" w="9525">
                     <a:solidFill>
                       <a:srgbClr val="000000"/>
                     </a:solidFill>
@@ -10356,7 +10358,7 @@
               </a:ln>
               <a:extLst>
                 <a:ext uri="{91240B29-F687-4f45-9708-019B960494DF}">
-                  <a14:hiddenLine xmlns:a14="http://schemas.microsoft.com/office/drawing/2010/main" xmlns="" w="9525">
+                  <a14:hiddenLine xmlns="" xmlns:a14="http://schemas.microsoft.com/office/drawing/2010/main" w="9525">
                     <a:solidFill>
                       <a:srgbClr val="000000"/>
                     </a:solidFill>
@@ -10446,7 +10448,7 @@
               </a:ln>
               <a:extLst>
                 <a:ext uri="{91240B29-F687-4f45-9708-019B960494DF}">
-                  <a14:hiddenLine xmlns:a14="http://schemas.microsoft.com/office/drawing/2010/main" xmlns="" w="9525">
+                  <a14:hiddenLine xmlns="" xmlns:a14="http://schemas.microsoft.com/office/drawing/2010/main" w="9525">
                     <a:solidFill>
                       <a:srgbClr val="000000"/>
                     </a:solidFill>
@@ -10508,7 +10510,7 @@
               </a:ln>
               <a:extLst>
                 <a:ext uri="{91240B29-F687-4f45-9708-019B960494DF}">
-                  <a14:hiddenLine xmlns:a14="http://schemas.microsoft.com/office/drawing/2010/main" xmlns="" w="9525">
+                  <a14:hiddenLine xmlns="" xmlns:a14="http://schemas.microsoft.com/office/drawing/2010/main" w="9525">
                     <a:solidFill>
                       <a:srgbClr val="000000"/>
                     </a:solidFill>
@@ -10598,7 +10600,7 @@
               </a:ln>
               <a:extLst>
                 <a:ext uri="{91240B29-F687-4f45-9708-019B960494DF}">
-                  <a14:hiddenLine xmlns:a14="http://schemas.microsoft.com/office/drawing/2010/main" xmlns="" w="9525">
+                  <a14:hiddenLine xmlns="" xmlns:a14="http://schemas.microsoft.com/office/drawing/2010/main" w="9525">
                     <a:solidFill>
                       <a:srgbClr val="000000"/>
                     </a:solidFill>
@@ -10663,7 +10665,7 @@
               </a:ln>
               <a:extLst>
                 <a:ext uri="{91240B29-F687-4f45-9708-019B960494DF}">
-                  <a14:hiddenLine xmlns:a14="http://schemas.microsoft.com/office/drawing/2010/main" xmlns="" w="9525">
+                  <a14:hiddenLine xmlns="" xmlns:a14="http://schemas.microsoft.com/office/drawing/2010/main" w="9525">
                     <a:solidFill>
                       <a:srgbClr val="000000"/>
                     </a:solidFill>
@@ -10725,7 +10727,7 @@
               </a:ln>
               <a:extLst>
                 <a:ext uri="{91240B29-F687-4f45-9708-019B960494DF}">
-                  <a14:hiddenLine xmlns:a14="http://schemas.microsoft.com/office/drawing/2010/main" xmlns="" w="9525">
+                  <a14:hiddenLine xmlns="" xmlns:a14="http://schemas.microsoft.com/office/drawing/2010/main" w="9525">
                     <a:solidFill>
                       <a:srgbClr val="000000"/>
                     </a:solidFill>
@@ -10815,7 +10817,7 @@
               </a:ln>
               <a:extLst>
                 <a:ext uri="{91240B29-F687-4f45-9708-019B960494DF}">
-                  <a14:hiddenLine xmlns:a14="http://schemas.microsoft.com/office/drawing/2010/main" xmlns="" w="9525">
+                  <a14:hiddenLine xmlns="" xmlns:a14="http://schemas.microsoft.com/office/drawing/2010/main" w="9525">
                     <a:solidFill>
                       <a:srgbClr val="000000"/>
                     </a:solidFill>
@@ -10905,7 +10907,7 @@
               </a:ln>
               <a:extLst>
                 <a:ext uri="{91240B29-F687-4f45-9708-019B960494DF}">
-                  <a14:hiddenLine xmlns:a14="http://schemas.microsoft.com/office/drawing/2010/main" xmlns="" w="9525">
+                  <a14:hiddenLine xmlns="" xmlns:a14="http://schemas.microsoft.com/office/drawing/2010/main" w="9525">
                     <a:solidFill>
                       <a:srgbClr val="000000"/>
                     </a:solidFill>
@@ -10970,7 +10972,7 @@
               </a:ln>
               <a:extLst>
                 <a:ext uri="{91240B29-F687-4f45-9708-019B960494DF}">
-                  <a14:hiddenLine xmlns:a14="http://schemas.microsoft.com/office/drawing/2010/main" xmlns="" w="9525">
+                  <a14:hiddenLine xmlns="" xmlns:a14="http://schemas.microsoft.com/office/drawing/2010/main" w="9525">
                     <a:solidFill>
                       <a:srgbClr val="000000"/>
                     </a:solidFill>
@@ -11090,7 +11092,7 @@
               </a:ln>
               <a:extLst>
                 <a:ext uri="{91240B29-F687-4f45-9708-019B960494DF}">
-                  <a14:hiddenLine xmlns:a14="http://schemas.microsoft.com/office/drawing/2010/main" xmlns="" w="9525">
+                  <a14:hiddenLine xmlns="" xmlns:a14="http://schemas.microsoft.com/office/drawing/2010/main" w="9525">
                     <a:solidFill>
                       <a:srgbClr val="000000"/>
                     </a:solidFill>
@@ -11171,7 +11173,7 @@
               </a:ln>
               <a:extLst>
                 <a:ext uri="{91240B29-F687-4f45-9708-019B960494DF}">
-                  <a14:hiddenLine xmlns:a14="http://schemas.microsoft.com/office/drawing/2010/main" xmlns="" w="9525">
+                  <a14:hiddenLine xmlns="" xmlns:a14="http://schemas.microsoft.com/office/drawing/2010/main" w="9525">
                     <a:solidFill>
                       <a:srgbClr val="000000"/>
                     </a:solidFill>
@@ -11286,7 +11288,7 @@
               </a:ln>
               <a:extLst>
                 <a:ext uri="{91240B29-F687-4f45-9708-019B960494DF}">
-                  <a14:hiddenLine xmlns:a14="http://schemas.microsoft.com/office/drawing/2010/main" xmlns="" w="9525">
+                  <a14:hiddenLine xmlns="" xmlns:a14="http://schemas.microsoft.com/office/drawing/2010/main" w="9525">
                     <a:solidFill>
                       <a:srgbClr val="000000"/>
                     </a:solidFill>
@@ -11376,7 +11378,7 @@
               </a:ln>
               <a:extLst>
                 <a:ext uri="{91240B29-F687-4f45-9708-019B960494DF}">
-                  <a14:hiddenLine xmlns:a14="http://schemas.microsoft.com/office/drawing/2010/main" xmlns="" w="9525">
+                  <a14:hiddenLine xmlns="" xmlns:a14="http://schemas.microsoft.com/office/drawing/2010/main" w="9525">
                     <a:solidFill>
                       <a:srgbClr val="000000"/>
                     </a:solidFill>
@@ -11441,7 +11443,7 @@
               </a:ln>
               <a:extLst>
                 <a:ext uri="{91240B29-F687-4f45-9708-019B960494DF}">
-                  <a14:hiddenLine xmlns:a14="http://schemas.microsoft.com/office/drawing/2010/main" xmlns="" w="9525">
+                  <a14:hiddenLine xmlns="" xmlns:a14="http://schemas.microsoft.com/office/drawing/2010/main" w="9525">
                     <a:solidFill>
                       <a:srgbClr val="000000"/>
                     </a:solidFill>
@@ -11531,7 +11533,7 @@
               </a:ln>
               <a:extLst>
                 <a:ext uri="{91240B29-F687-4f45-9708-019B960494DF}">
-                  <a14:hiddenLine xmlns:a14="http://schemas.microsoft.com/office/drawing/2010/main" xmlns="" w="9525">
+                  <a14:hiddenLine xmlns="" xmlns:a14="http://schemas.microsoft.com/office/drawing/2010/main" w="9525">
                     <a:solidFill>
                       <a:srgbClr val="000000"/>
                     </a:solidFill>
@@ -11599,7 +11601,7 @@
               </a:ln>
               <a:extLst>
                 <a:ext uri="{91240B29-F687-4f45-9708-019B960494DF}">
-                  <a14:hiddenLine xmlns:a14="http://schemas.microsoft.com/office/drawing/2010/main" xmlns="" w="9525">
+                  <a14:hiddenLine xmlns="" xmlns:a14="http://schemas.microsoft.com/office/drawing/2010/main" w="9525">
                     <a:solidFill>
                       <a:srgbClr val="000000"/>
                     </a:solidFill>
@@ -11689,7 +11691,7 @@
               </a:ln>
               <a:extLst>
                 <a:ext uri="{91240B29-F687-4f45-9708-019B960494DF}">
-                  <a14:hiddenLine xmlns:a14="http://schemas.microsoft.com/office/drawing/2010/main" xmlns="" w="9525">
+                  <a14:hiddenLine xmlns="" xmlns:a14="http://schemas.microsoft.com/office/drawing/2010/main" w="9525">
                     <a:solidFill>
                       <a:srgbClr val="000000"/>
                     </a:solidFill>
@@ -11757,7 +11759,7 @@
               </a:ln>
               <a:extLst>
                 <a:ext uri="{91240B29-F687-4f45-9708-019B960494DF}">
-                  <a14:hiddenLine xmlns:a14="http://schemas.microsoft.com/office/drawing/2010/main" xmlns="" w="9525">
+                  <a14:hiddenLine xmlns="" xmlns:a14="http://schemas.microsoft.com/office/drawing/2010/main" w="9525">
                     <a:solidFill>
                       <a:srgbClr val="000000"/>
                     </a:solidFill>
@@ -11847,7 +11849,7 @@
               </a:ln>
               <a:extLst>
                 <a:ext uri="{91240B29-F687-4f45-9708-019B960494DF}">
-                  <a14:hiddenLine xmlns:a14="http://schemas.microsoft.com/office/drawing/2010/main" xmlns="" w="9525">
+                  <a14:hiddenLine xmlns="" xmlns:a14="http://schemas.microsoft.com/office/drawing/2010/main" w="9525">
                     <a:solidFill>
                       <a:srgbClr val="000000"/>
                     </a:solidFill>
@@ -11881,7 +11883,7 @@
               </a:ln>
               <a:extLst>
                 <a:ext uri="{91240B29-F687-4f45-9708-019B960494DF}">
-                  <a14:hiddenLine xmlns:a14="http://schemas.microsoft.com/office/drawing/2010/main" xmlns="" w="9525">
+                  <a14:hiddenLine xmlns="" xmlns:a14="http://schemas.microsoft.com/office/drawing/2010/main" w="9525">
                     <a:solidFill>
                       <a:srgbClr val="000000"/>
                     </a:solidFill>
@@ -12532,6 +12534,167 @@
           <p:cNvPr id="2" name="Title 1">
             <a:extLst>
               <a:ext uri="{FF2B5EF4-FFF2-40B4-BE49-F238E27FC236}">
+                <a16:creationId xmlns:a16="http://schemas.microsoft.com/office/drawing/2014/main" id="{A4402F49-A8F4-44F8-8282-147E1F04130D}"/>
+              </a:ext>
+            </a:extLst>
+          </p:cNvPr>
+          <p:cNvSpPr>
+            <a:spLocks noGrp="1"/>
+          </p:cNvSpPr>
+          <p:nvPr>
+            <p:ph type="title"/>
+          </p:nvPr>
+        </p:nvSpPr>
+        <p:spPr/>
+        <p:txBody>
+          <a:bodyPr/>
+          <a:lstStyle/>
+          <a:p>
+            <a:r>
+              <a:rPr lang="en-AU" dirty="0"/>
+              <a:t>EV2 Implementation</a:t>
+            </a:r>
+          </a:p>
+        </p:txBody>
+      </p:sp>
+      <p:sp>
+        <p:nvSpPr>
+          <p:cNvPr id="3" name="TextBox 2">
+            <a:extLst>
+              <a:ext uri="{FF2B5EF4-FFF2-40B4-BE49-F238E27FC236}">
+                <a16:creationId xmlns:a16="http://schemas.microsoft.com/office/drawing/2014/main" id="{614707C2-09B2-4CCB-8C9B-E9CCA2BD77F4}"/>
+              </a:ext>
+            </a:extLst>
+          </p:cNvPr>
+          <p:cNvSpPr txBox="1"/>
+          <p:nvPr/>
+        </p:nvSpPr>
+        <p:spPr>
+          <a:xfrm>
+            <a:off x="1141412" y="2097088"/>
+            <a:ext cx="4001039" cy="2031325"/>
+          </a:xfrm>
+          <a:prstGeom prst="rect">
+            <a:avLst/>
+          </a:prstGeom>
+          <a:noFill/>
+        </p:spPr>
+        <p:txBody>
+          <a:bodyPr wrap="square" rtlCol="0">
+            <a:spAutoFit/>
+          </a:bodyPr>
+          <a:lstStyle/>
+          <a:p>
+            <a:pPr marL="285750" indent="-285750">
+              <a:buFont typeface="Arial" panose="020B0604020202020204" pitchFamily="34" charset="0"/>
+              <a:buChar char="•"/>
+            </a:pPr>
+            <a:r>
+              <a:rPr lang="en-AU" dirty="0"/>
+              <a:t>Controllers share ID’s</a:t>
+            </a:r>
+          </a:p>
+          <a:p>
+            <a:pPr marL="285750" indent="-285750">
+              <a:buFont typeface="Arial" panose="020B0604020202020204" pitchFamily="34" charset="0"/>
+              <a:buChar char="•"/>
+            </a:pPr>
+            <a:endParaRPr lang="en-AU" dirty="0"/>
+          </a:p>
+          <a:p>
+            <a:pPr marL="285750" indent="-285750">
+              <a:buFont typeface="Arial" panose="020B0604020202020204" pitchFamily="34" charset="0"/>
+              <a:buChar char="•"/>
+            </a:pPr>
+            <a:r>
+              <a:rPr lang="en-AU" dirty="0"/>
+              <a:t>Controllers and BMS operate at different baud rates</a:t>
+            </a:r>
+          </a:p>
+          <a:p>
+            <a:pPr marL="285750" indent="-285750">
+              <a:buFont typeface="Arial" panose="020B0604020202020204" pitchFamily="34" charset="0"/>
+              <a:buChar char="•"/>
+            </a:pPr>
+            <a:endParaRPr lang="en-AU" dirty="0"/>
+          </a:p>
+          <a:p>
+            <a:pPr marL="285750" indent="-285750">
+              <a:buFont typeface="Arial" panose="020B0604020202020204" pitchFamily="34" charset="0"/>
+              <a:buChar char="•"/>
+            </a:pPr>
+            <a:r>
+              <a:rPr lang="en-AU" dirty="0"/>
+              <a:t>Interfaces required to change ID’s and baud rate to be put onto main bus</a:t>
+            </a:r>
+          </a:p>
+        </p:txBody>
+      </p:sp>
+      <p:pic>
+        <p:nvPicPr>
+          <p:cNvPr id="5" name="Picture 4">
+            <a:extLst>
+              <a:ext uri="{FF2B5EF4-FFF2-40B4-BE49-F238E27FC236}">
+                <a16:creationId xmlns:a16="http://schemas.microsoft.com/office/drawing/2014/main" id="{12932A44-8399-4938-BF7C-9124269CF5AE}"/>
+              </a:ext>
+            </a:extLst>
+          </p:cNvPr>
+          <p:cNvPicPr>
+            <a:picLocks noChangeAspect="1"/>
+          </p:cNvPicPr>
+          <p:nvPr/>
+        </p:nvPicPr>
+        <p:blipFill>
+          <a:blip r:embed="rId2"/>
+          <a:stretch>
+            <a:fillRect/>
+          </a:stretch>
+        </p:blipFill>
+        <p:spPr>
+          <a:xfrm>
+            <a:off x="5519266" y="1604254"/>
+            <a:ext cx="5977307" cy="4294493"/>
+          </a:xfrm>
+          <a:prstGeom prst="rect">
+            <a:avLst/>
+          </a:prstGeom>
+        </p:spPr>
+      </p:pic>
+    </p:spTree>
+    <p:extLst>
+      <p:ext uri="{BB962C8B-B14F-4D97-AF65-F5344CB8AC3E}">
+        <p14:creationId xmlns:p14="http://schemas.microsoft.com/office/powerpoint/2010/main" val="1569619514"/>
+      </p:ext>
+    </p:extLst>
+  </p:cSld>
+  <p:clrMapOvr>
+    <a:masterClrMapping/>
+  </p:clrMapOvr>
+</p:sld>
+</file>
+
+<file path=ppt/slides/slide11.xml><?xml version="1.0" encoding="utf-8"?>
+<p:sld xmlns:a="http://schemas.openxmlformats.org/drawingml/2006/main" xmlns:r="http://schemas.openxmlformats.org/officeDocument/2006/relationships" xmlns:p="http://schemas.openxmlformats.org/presentationml/2006/main">
+  <p:cSld>
+    <p:spTree>
+      <p:nvGrpSpPr>
+        <p:cNvPr id="1" name=""/>
+        <p:cNvGrpSpPr/>
+        <p:nvPr/>
+      </p:nvGrpSpPr>
+      <p:grpSpPr>
+        <a:xfrm>
+          <a:off x="0" y="0"/>
+          <a:ext cx="0" cy="0"/>
+          <a:chOff x="0" y="0"/>
+          <a:chExt cx="0" cy="0"/>
+        </a:xfrm>
+      </p:grpSpPr>
+      <p:sp>
+        <p:nvSpPr>
+          <p:cNvPr id="2" name="Title 1">
+            <a:extLst>
+              <a:ext uri="{FF2B5EF4-FFF2-40B4-BE49-F238E27FC236}">
                 <a16:creationId xmlns:a16="http://schemas.microsoft.com/office/drawing/2014/main" id="{CA782D08-47DD-409E-B84A-D2762122A006}"/>
               </a:ext>
             </a:extLst>
@@ -12549,8 +12712,92 @@
           <a:lstStyle/>
           <a:p>
             <a:r>
+              <a:rPr lang="en-AU"/>
+              <a:t>EV3 Plan</a:t>
+            </a:r>
+            <a:endParaRPr lang="en-AU" dirty="0"/>
+          </a:p>
+        </p:txBody>
+      </p:sp>
+      <p:sp>
+        <p:nvSpPr>
+          <p:cNvPr id="3" name="TextBox 2">
+            <a:extLst>
+              <a:ext uri="{FF2B5EF4-FFF2-40B4-BE49-F238E27FC236}">
+                <a16:creationId xmlns:a16="http://schemas.microsoft.com/office/drawing/2014/main" id="{66DBFF9F-CE45-4E19-9386-DD2F6BBB01AE}"/>
+              </a:ext>
+            </a:extLst>
+          </p:cNvPr>
+          <p:cNvSpPr txBox="1"/>
+          <p:nvPr/>
+        </p:nvSpPr>
+        <p:spPr>
+          <a:xfrm>
+            <a:off x="1400783" y="2198451"/>
+            <a:ext cx="5768502" cy="2308324"/>
+          </a:xfrm>
+          <a:prstGeom prst="rect">
+            <a:avLst/>
+          </a:prstGeom>
+          <a:noFill/>
+        </p:spPr>
+        <p:txBody>
+          <a:bodyPr wrap="square" rtlCol="0">
+            <a:spAutoFit/>
+          </a:bodyPr>
+          <a:lstStyle/>
+          <a:p>
+            <a:pPr marL="285750" indent="-285750">
+              <a:buFont typeface="Arial" panose="020B0604020202020204" pitchFamily="34" charset="0"/>
+              <a:buChar char="•"/>
+            </a:pPr>
+            <a:r>
               <a:rPr lang="en-AU" dirty="0"/>
-              <a:t>EV3 Plan</a:t>
+              <a:t>Main bus linking core vehicle components</a:t>
+            </a:r>
+          </a:p>
+          <a:p>
+            <a:pPr marL="285750" indent="-285750">
+              <a:buFont typeface="Arial" panose="020B0604020202020204" pitchFamily="34" charset="0"/>
+              <a:buChar char="•"/>
+            </a:pPr>
+            <a:endParaRPr lang="en-AU" dirty="0"/>
+          </a:p>
+          <a:p>
+            <a:pPr marL="285750" indent="-285750">
+              <a:buFont typeface="Arial" panose="020B0604020202020204" pitchFamily="34" charset="0"/>
+              <a:buChar char="•"/>
+            </a:pPr>
+            <a:r>
+              <a:rPr lang="en-AU" dirty="0"/>
+              <a:t>Design intent is to put as much information as possible over the CAN bus</a:t>
+            </a:r>
+          </a:p>
+          <a:p>
+            <a:pPr marL="285750" indent="-285750">
+              <a:buFont typeface="Arial" panose="020B0604020202020204" pitchFamily="34" charset="0"/>
+              <a:buChar char="•"/>
+            </a:pPr>
+            <a:endParaRPr lang="en-AU" dirty="0"/>
+          </a:p>
+          <a:p>
+            <a:pPr marL="285750" indent="-285750">
+              <a:buFont typeface="Arial" panose="020B0604020202020204" pitchFamily="34" charset="0"/>
+              <a:buChar char="•"/>
+            </a:pPr>
+            <a:r>
+              <a:rPr lang="en-AU" dirty="0"/>
+              <a:t>Branches from dash and rear nodes connecting to senor interfaces</a:t>
+            </a:r>
+          </a:p>
+          <a:p>
+            <a:pPr marL="742950" lvl="1" indent="-285750">
+              <a:buFont typeface="Arial" panose="020B0604020202020204" pitchFamily="34" charset="0"/>
+              <a:buChar char="•"/>
+            </a:pPr>
+            <a:r>
+              <a:rPr lang="en-AU" dirty="0"/>
+              <a:t>Potentially separate buses if lines are too long</a:t>
             </a:r>
           </a:p>
         </p:txBody>
@@ -12559,6 +12806,70 @@
     <p:extLst>
       <p:ext uri="{BB962C8B-B14F-4D97-AF65-F5344CB8AC3E}">
         <p14:creationId xmlns:p14="http://schemas.microsoft.com/office/powerpoint/2010/main" val="3129929170"/>
+      </p:ext>
+    </p:extLst>
+  </p:cSld>
+  <p:clrMapOvr>
+    <a:masterClrMapping/>
+  </p:clrMapOvr>
+</p:sld>
+</file>
+
+<file path=ppt/slides/slide12.xml><?xml version="1.0" encoding="utf-8"?>
+<p:sld xmlns:a="http://schemas.openxmlformats.org/drawingml/2006/main" xmlns:r="http://schemas.openxmlformats.org/officeDocument/2006/relationships" xmlns:p="http://schemas.openxmlformats.org/presentationml/2006/main">
+  <p:cSld>
+    <p:spTree>
+      <p:nvGrpSpPr>
+        <p:cNvPr id="1" name=""/>
+        <p:cNvGrpSpPr/>
+        <p:nvPr/>
+      </p:nvGrpSpPr>
+      <p:grpSpPr>
+        <a:xfrm>
+          <a:off x="0" y="0"/>
+          <a:ext cx="0" cy="0"/>
+          <a:chOff x="0" y="0"/>
+          <a:chExt cx="0" cy="0"/>
+        </a:xfrm>
+      </p:grpSpPr>
+      <p:sp>
+        <p:nvSpPr>
+          <p:cNvPr id="2" name="Title 1">
+            <a:extLst>
+              <a:ext uri="{FF2B5EF4-FFF2-40B4-BE49-F238E27FC236}">
+                <a16:creationId xmlns:a16="http://schemas.microsoft.com/office/drawing/2014/main" id="{340781F1-0D48-4AD5-AAEB-2616A945B475}"/>
+              </a:ext>
+            </a:extLst>
+          </p:cNvPr>
+          <p:cNvSpPr>
+            <a:spLocks noGrp="1"/>
+          </p:cNvSpPr>
+          <p:nvPr>
+            <p:ph type="title"/>
+          </p:nvPr>
+        </p:nvSpPr>
+        <p:spPr>
+          <a:xfrm>
+            <a:off x="2676194" y="2536094"/>
+            <a:ext cx="6839612" cy="1478570"/>
+          </a:xfrm>
+        </p:spPr>
+        <p:txBody>
+          <a:bodyPr/>
+          <a:lstStyle/>
+          <a:p>
+            <a:pPr algn="ctr"/>
+            <a:r>
+              <a:rPr lang="en-AU" dirty="0"/>
+              <a:t>Questions?</a:t>
+            </a:r>
+          </a:p>
+        </p:txBody>
+      </p:sp>
+    </p:spTree>
+    <p:extLst>
+      <p:ext uri="{BB962C8B-B14F-4D97-AF65-F5344CB8AC3E}">
+        <p14:creationId xmlns:p14="http://schemas.microsoft.com/office/powerpoint/2010/main" val="2585291180"/>
       </p:ext>
     </p:extLst>
   </p:cSld>
@@ -14621,7 +14932,7 @@
           <a:p>
             <a:r>
               <a:rPr lang="en-AU" dirty="0"/>
-              <a:t>How it works - software</a:t>
+              <a:t>How it works - Microcontrollers</a:t>
             </a:r>
           </a:p>
         </p:txBody>
@@ -14641,7 +14952,7 @@
         <p:spPr>
           <a:xfrm>
             <a:off x="1141413" y="2097088"/>
-            <a:ext cx="4202884" cy="2585323"/>
+            <a:ext cx="4202884" cy="3139321"/>
           </a:xfrm>
           <a:prstGeom prst="rect">
             <a:avLst/>
@@ -14673,7 +14984,7 @@
             </a:pPr>
             <a:r>
               <a:rPr lang="en-AU" dirty="0"/>
-              <a:t>FlexCAN_T4 library</a:t>
+              <a:t>Teensy 4.0 Microcontrollers</a:t>
             </a:r>
           </a:p>
           <a:p>
@@ -14690,7 +15001,7 @@
             </a:pPr>
             <a:r>
               <a:rPr lang="en-AU" dirty="0"/>
-              <a:t>Only need to define message ID and content and library will handle the rest</a:t>
+              <a:t>FlexCAN_T4 library</a:t>
             </a:r>
           </a:p>
           <a:p>
@@ -14707,7 +15018,129 @@
             </a:pPr>
             <a:r>
               <a:rPr lang="en-AU" dirty="0"/>
+              <a:t>Only need to define message ID and content and library will handle the rest</a:t>
+            </a:r>
+          </a:p>
+          <a:p>
+            <a:pPr marL="285750" indent="-285750">
+              <a:buFont typeface="Arial" panose="020B0604020202020204" pitchFamily="34" charset="0"/>
+              <a:buChar char="•"/>
+            </a:pPr>
+            <a:endParaRPr lang="en-AU" dirty="0"/>
+          </a:p>
+          <a:p>
+            <a:pPr marL="285750" indent="-285750">
+              <a:buFont typeface="Arial" panose="020B0604020202020204" pitchFamily="34" charset="0"/>
+              <a:buChar char="•"/>
+            </a:pPr>
+            <a:r>
+              <a:rPr lang="en-AU" dirty="0"/>
               <a:t>Refer to datasheets to interpret CAN messages from OTS components</a:t>
+            </a:r>
+          </a:p>
+        </p:txBody>
+      </p:sp>
+      <p:sp>
+        <p:nvSpPr>
+          <p:cNvPr id="5" name="TextBox 4">
+            <a:extLst>
+              <a:ext uri="{FF2B5EF4-FFF2-40B4-BE49-F238E27FC236}">
+                <a16:creationId xmlns:a16="http://schemas.microsoft.com/office/drawing/2014/main" id="{BF8F3B46-4082-4A15-A9B3-63636102FCA9}"/>
+              </a:ext>
+            </a:extLst>
+          </p:cNvPr>
+          <p:cNvSpPr txBox="1"/>
+          <p:nvPr/>
+        </p:nvSpPr>
+        <p:spPr>
+          <a:xfrm>
+            <a:off x="6094412" y="2097088"/>
+            <a:ext cx="2086020" cy="2308324"/>
+          </a:xfrm>
+          <a:prstGeom prst="rect">
+            <a:avLst/>
+          </a:prstGeom>
+          <a:noFill/>
+        </p:spPr>
+        <p:txBody>
+          <a:bodyPr wrap="none" rtlCol="0">
+            <a:spAutoFit/>
+          </a:bodyPr>
+          <a:lstStyle/>
+          <a:p>
+            <a:r>
+              <a:rPr lang="en-AU" dirty="0"/>
+              <a:t>Current Messages</a:t>
+            </a:r>
+          </a:p>
+          <a:p>
+            <a:pPr marL="285750" indent="-285750">
+              <a:buFont typeface="Arial" panose="020B0604020202020204" pitchFamily="34" charset="0"/>
+              <a:buChar char="•"/>
+            </a:pPr>
+            <a:r>
+              <a:rPr lang="en-AU" dirty="0"/>
+              <a:t>Dash Data</a:t>
+            </a:r>
+          </a:p>
+          <a:p>
+            <a:pPr marL="285750" indent="-285750">
+              <a:buFont typeface="Arial" panose="020B0604020202020204" pitchFamily="34" charset="0"/>
+              <a:buChar char="•"/>
+            </a:pPr>
+            <a:r>
+              <a:rPr lang="en-AU" dirty="0"/>
+              <a:t>Right Controller 1</a:t>
+            </a:r>
+          </a:p>
+          <a:p>
+            <a:pPr marL="285750" indent="-285750">
+              <a:buFont typeface="Arial" panose="020B0604020202020204" pitchFamily="34" charset="0"/>
+              <a:buChar char="•"/>
+            </a:pPr>
+            <a:r>
+              <a:rPr lang="en-AU" dirty="0"/>
+              <a:t>Right Controller 2</a:t>
+            </a:r>
+          </a:p>
+          <a:p>
+            <a:pPr marL="285750" indent="-285750">
+              <a:buFont typeface="Arial" panose="020B0604020202020204" pitchFamily="34" charset="0"/>
+              <a:buChar char="•"/>
+            </a:pPr>
+            <a:r>
+              <a:rPr lang="en-AU" dirty="0"/>
+              <a:t>Left Controller 1</a:t>
+            </a:r>
+          </a:p>
+          <a:p>
+            <a:pPr marL="285750" indent="-285750">
+              <a:buFont typeface="Arial" panose="020B0604020202020204" pitchFamily="34" charset="0"/>
+              <a:buChar char="•"/>
+            </a:pPr>
+            <a:r>
+              <a:rPr lang="en-AU" dirty="0"/>
+              <a:t>Left Controller 2</a:t>
+            </a:r>
+          </a:p>
+          <a:p>
+            <a:pPr marL="285750" indent="-285750">
+              <a:buFont typeface="Arial" panose="020B0604020202020204" pitchFamily="34" charset="0"/>
+              <a:buChar char="•"/>
+            </a:pPr>
+            <a:r>
+              <a:rPr lang="en-AU" dirty="0"/>
+              <a:t>BMS 1</a:t>
+            </a:r>
+          </a:p>
+          <a:p>
+            <a:pPr marL="285750" indent="-285750">
+              <a:buFont typeface="Arial" panose="020B0604020202020204" pitchFamily="34" charset="0"/>
+              <a:buChar char="•"/>
+            </a:pPr>
+            <a:r>
+              <a:rPr lang="en-AU" dirty="0"/>
+              <a:t>BMS 2</a:t>
             </a:r>
           </a:p>
         </p:txBody>
@@ -14747,7 +15180,7 @@
           <p:cNvPr id="2" name="Title 1">
             <a:extLst>
               <a:ext uri="{FF2B5EF4-FFF2-40B4-BE49-F238E27FC236}">
-                <a16:creationId xmlns:a16="http://schemas.microsoft.com/office/drawing/2014/main" id="{A4402F49-A8F4-44F8-8282-147E1F04130D}"/>
+                <a16:creationId xmlns:a16="http://schemas.microsoft.com/office/drawing/2014/main" id="{E3D5C67A-7B9F-4E80-8C98-85B31C69824D}"/>
               </a:ext>
             </a:extLst>
           </p:cNvPr>
@@ -14765,7 +15198,7 @@
           <a:p>
             <a:r>
               <a:rPr lang="en-AU" dirty="0"/>
-              <a:t>EV2 Implementation</a:t>
+              <a:t>The Motec</a:t>
             </a:r>
           </a:p>
         </p:txBody>
@@ -14775,7 +15208,7 @@
           <p:cNvPr id="3" name="TextBox 2">
             <a:extLst>
               <a:ext uri="{FF2B5EF4-FFF2-40B4-BE49-F238E27FC236}">
-                <a16:creationId xmlns:a16="http://schemas.microsoft.com/office/drawing/2014/main" id="{614707C2-09B2-4CCB-8C9B-E9CCA2BD77F4}"/>
+                <a16:creationId xmlns:a16="http://schemas.microsoft.com/office/drawing/2014/main" id="{8B2FF301-EB17-4193-90DA-FCBE159CA182}"/>
               </a:ext>
             </a:extLst>
           </p:cNvPr>
@@ -14784,8 +15217,8 @@
         </p:nvSpPr>
         <p:spPr>
           <a:xfrm>
-            <a:off x="1141412" y="2097088"/>
-            <a:ext cx="4001039" cy="2031325"/>
+            <a:off x="1141413" y="2097088"/>
+            <a:ext cx="4202884" cy="2585323"/>
           </a:xfrm>
           <a:prstGeom prst="rect">
             <a:avLst/>
@@ -14804,7 +15237,7 @@
             </a:pPr>
             <a:r>
               <a:rPr lang="en-AU" dirty="0"/>
-              <a:t>Controllers share ID’s</a:t>
+              <a:t>Not critical to function of CAN bus</a:t>
             </a:r>
           </a:p>
           <a:p>
@@ -14821,7 +15254,7 @@
             </a:pPr>
             <a:r>
               <a:rPr lang="en-AU" dirty="0"/>
-              <a:t>Controllers and BMS operate at different baud rates</a:t>
+              <a:t>Sniffs and logs desired CAN messages</a:t>
             </a:r>
           </a:p>
           <a:p>
@@ -14838,15 +15271,62 @@
             </a:pPr>
             <a:r>
               <a:rPr lang="en-AU" dirty="0"/>
-              <a:t>Interfaces required to change ID’s and baud rate to be put onto main bus</a:t>
+              <a:t>Lightweight datalogger as far as connections go</a:t>
+            </a:r>
+          </a:p>
+          <a:p>
+            <a:pPr marL="285750" indent="-285750">
+              <a:buFont typeface="Arial" panose="020B0604020202020204" pitchFamily="34" charset="0"/>
+              <a:buChar char="•"/>
+            </a:pPr>
+            <a:endParaRPr lang="en-AU" dirty="0"/>
+          </a:p>
+          <a:p>
+            <a:pPr marL="285750" indent="-285750">
+              <a:buFont typeface="Arial" panose="020B0604020202020204" pitchFamily="34" charset="0"/>
+              <a:buChar char="•"/>
+            </a:pPr>
+            <a:r>
+              <a:rPr lang="en-AU" dirty="0"/>
+              <a:t>Intended to be interchangeable between EV2 and EV3</a:t>
             </a:r>
           </a:p>
         </p:txBody>
       </p:sp>
+      <p:pic>
+        <p:nvPicPr>
+          <p:cNvPr id="6" name="Picture 5">
+            <a:extLst>
+              <a:ext uri="{FF2B5EF4-FFF2-40B4-BE49-F238E27FC236}">
+                <a16:creationId xmlns:a16="http://schemas.microsoft.com/office/drawing/2014/main" id="{C4375FC2-A1BD-413E-A097-6EF41315A305}"/>
+              </a:ext>
+            </a:extLst>
+          </p:cNvPr>
+          <p:cNvPicPr>
+            <a:picLocks noChangeAspect="1"/>
+          </p:cNvPicPr>
+          <p:nvPr/>
+        </p:nvPicPr>
+        <p:blipFill>
+          <a:blip r:embed="rId2"/>
+          <a:stretch>
+            <a:fillRect/>
+          </a:stretch>
+        </p:blipFill>
+        <p:spPr>
+          <a:xfrm>
+            <a:off x="5761557" y="1357803"/>
+            <a:ext cx="4868593" cy="3866410"/>
+          </a:xfrm>
+          <a:prstGeom prst="rect">
+            <a:avLst/>
+          </a:prstGeom>
+        </p:spPr>
+      </p:pic>
     </p:spTree>
     <p:extLst>
       <p:ext uri="{BB962C8B-B14F-4D97-AF65-F5344CB8AC3E}">
-        <p14:creationId xmlns:p14="http://schemas.microsoft.com/office/powerpoint/2010/main" val="1569619514"/>
+        <p14:creationId xmlns:p14="http://schemas.microsoft.com/office/powerpoint/2010/main" val="143740357"/>
       </p:ext>
     </p:extLst>
   </p:cSld>
